--- a/Slides/Gambling 2/Gambling_2_Lecture.pptx
+++ b/Slides/Gambling 2/Gambling_2_Lecture.pptx
@@ -5,7 +5,7 @@
     <p:sldMasterId id="2147484545" r:id="rId1"/>
   </p:sldMasterIdLst>
   <p:notesMasterIdLst>
-    <p:notesMasterId r:id="rId14"/>
+    <p:notesMasterId r:id="rId16"/>
   </p:notesMasterIdLst>
   <p:sldIdLst>
     <p:sldId id="298" r:id="rId2"/>
@@ -19,7 +19,9 @@
     <p:sldId id="329" r:id="rId10"/>
     <p:sldId id="330" r:id="rId11"/>
     <p:sldId id="331" r:id="rId12"/>
-    <p:sldId id="281" r:id="rId13"/>
+    <p:sldId id="332" r:id="rId13"/>
+    <p:sldId id="333" r:id="rId14"/>
+    <p:sldId id="281" r:id="rId15"/>
   </p:sldIdLst>
   <p:sldSz cx="12192000" cy="6858000"/>
   <p:notesSz cx="6858000" cy="9144000"/>
@@ -7610,29 +7612,8 @@
                 </a:solidFill>
                 <a:latin typeface="Selawik Semibold" panose="020B0702040204020203" pitchFamily="34" charset="0"/>
               </a:rPr>
-              <a:t>Can Be Used to </a:t>
+              <a:t>Can Be Used to Predict Head-to-Head Games</a:t>
             </a:r>
-            <a:r>
-              <a:rPr lang="en-US" sz="2000">
-                <a:solidFill>
-                  <a:schemeClr val="accent5">
-                    <a:lumMod val="60000"/>
-                    <a:lumOff val="40000"/>
-                  </a:schemeClr>
-                </a:solidFill>
-                <a:latin typeface="Selawik Semibold" panose="020B0702040204020203" pitchFamily="34" charset="0"/>
-              </a:rPr>
-              <a:t>Predict Head-to-Head Games</a:t>
-            </a:r>
-            <a:endParaRPr lang="en-US" sz="2000" dirty="0">
-              <a:solidFill>
-                <a:schemeClr val="accent5">
-                  <a:lumMod val="60000"/>
-                  <a:lumOff val="40000"/>
-                </a:schemeClr>
-              </a:solidFill>
-              <a:latin typeface="Selawik Semibold" panose="020B0702040204020203" pitchFamily="34" charset="0"/>
-            </a:endParaRPr>
           </a:p>
           <a:p>
             <a:pPr lvl="1">
@@ -7703,8 +7684,8 @@
           </a:effectLst>
         </p:spPr>
       </p:pic>
-      <mc:AlternateContent xmlns:mc="http://schemas.openxmlformats.org/markup-compatibility/2006">
-        <mc:Choice xmlns:a14="http://schemas.microsoft.com/office/drawing/2010/main" Requires="a14">
+      <mc:AlternateContent xmlns:mc="http://schemas.openxmlformats.org/markup-compatibility/2006" xmlns:a14="http://schemas.microsoft.com/office/drawing/2010/main">
+        <mc:Choice Requires="a14">
           <p:sp>
             <p:nvSpPr>
               <p:cNvPr id="8" name="TextBox 7">
@@ -8061,7 +8042,7 @@
             </p:txBody>
           </p:sp>
         </mc:Choice>
-        <mc:Fallback>
+        <mc:Fallback xmlns="">
           <p:sp>
             <p:nvSpPr>
               <p:cNvPr id="8" name="TextBox 7">
@@ -8120,6 +8101,1870 @@
 </file>
 
 <file path=ppt/slides/slide12.xml><?xml version="1.0" encoding="utf-8"?>
+<p:sld xmlns:a="http://schemas.openxmlformats.org/drawingml/2006/main" xmlns:r="http://schemas.openxmlformats.org/officeDocument/2006/relationships" xmlns:p="http://schemas.openxmlformats.org/presentationml/2006/main" showMasterSp="0">
+  <p:cSld>
+    <p:bg>
+      <p:bgPr>
+        <a:blipFill dpi="0" rotWithShape="1">
+          <a:blip r:embed="rId2">
+            <a:lum/>
+          </a:blip>
+          <a:srcRect/>
+          <a:tile tx="0" ty="0" sx="100000" sy="100000" flip="none" algn="tl"/>
+        </a:blipFill>
+        <a:effectLst/>
+      </p:bgPr>
+    </p:bg>
+    <p:spTree>
+      <p:nvGrpSpPr>
+        <p:cNvPr id="1" name=""/>
+        <p:cNvGrpSpPr/>
+        <p:nvPr/>
+      </p:nvGrpSpPr>
+      <p:grpSpPr>
+        <a:xfrm>
+          <a:off x="0" y="0"/>
+          <a:ext cx="0" cy="0"/>
+          <a:chOff x="0" y="0"/>
+          <a:chExt cx="0" cy="0"/>
+        </a:xfrm>
+      </p:grpSpPr>
+      <p:sp>
+        <p:nvSpPr>
+          <p:cNvPr id="9" name="Arrow: Chevron 8">
+            <a:extLst>
+              <a:ext uri="{FF2B5EF4-FFF2-40B4-BE49-F238E27FC236}">
+                <a16:creationId xmlns:a16="http://schemas.microsoft.com/office/drawing/2014/main" id="{24415BF9-56C9-403E-8BE8-95CC8185EFB1}"/>
+              </a:ext>
+            </a:extLst>
+          </p:cNvPr>
+          <p:cNvSpPr/>
+          <p:nvPr/>
+        </p:nvSpPr>
+        <p:spPr>
+          <a:xfrm rot="10800000">
+            <a:off x="2115070" y="336369"/>
+            <a:ext cx="10534129" cy="837148"/>
+          </a:xfrm>
+          <a:prstGeom prst="chevron">
+            <a:avLst/>
+          </a:prstGeom>
+        </p:spPr>
+        <p:style>
+          <a:lnRef idx="2">
+            <a:schemeClr val="accent2">
+              <a:shade val="50000"/>
+            </a:schemeClr>
+          </a:lnRef>
+          <a:fillRef idx="1">
+            <a:schemeClr val="accent2"/>
+          </a:fillRef>
+          <a:effectRef idx="0">
+            <a:schemeClr val="accent2"/>
+          </a:effectRef>
+          <a:fontRef idx="minor">
+            <a:schemeClr val="lt1"/>
+          </a:fontRef>
+        </p:style>
+        <p:txBody>
+          <a:bodyPr rtlCol="0" anchor="ctr"/>
+          <a:lstStyle/>
+          <a:p>
+            <a:pPr algn="ctr"/>
+            <a:endParaRPr lang="en-US">
+              <a:solidFill>
+                <a:schemeClr val="accent1">
+                  <a:lumMod val="75000"/>
+                </a:schemeClr>
+              </a:solidFill>
+            </a:endParaRPr>
+          </a:p>
+        </p:txBody>
+      </p:sp>
+      <p:sp>
+        <p:nvSpPr>
+          <p:cNvPr id="2" name="Title 1">
+            <a:extLst>
+              <a:ext uri="{FF2B5EF4-FFF2-40B4-BE49-F238E27FC236}">
+                <a16:creationId xmlns:a16="http://schemas.microsoft.com/office/drawing/2014/main" id="{9392CDF9-6C62-44DD-B489-EA9E8C54097A}"/>
+              </a:ext>
+            </a:extLst>
+          </p:cNvPr>
+          <p:cNvSpPr>
+            <a:spLocks noGrp="1"/>
+          </p:cNvSpPr>
+          <p:nvPr>
+            <p:ph type="title"/>
+          </p:nvPr>
+        </p:nvSpPr>
+        <p:spPr>
+          <a:xfrm>
+            <a:off x="2590799" y="0"/>
+            <a:ext cx="10058400" cy="1609344"/>
+          </a:xfrm>
+        </p:spPr>
+        <p:txBody>
+          <a:bodyPr>
+            <a:normAutofit/>
+          </a:bodyPr>
+          <a:lstStyle/>
+          <a:p>
+            <a:r>
+              <a:rPr lang="en-US" sz="4800" dirty="0">
+                <a:solidFill>
+                  <a:schemeClr val="bg2">
+                    <a:lumMod val="75000"/>
+                  </a:schemeClr>
+                </a:solidFill>
+                <a:latin typeface="Selawik Semibold" panose="020B0702040204020203" pitchFamily="34" charset="0"/>
+              </a:rPr>
+              <a:t>Rating sports teams</a:t>
+            </a:r>
+          </a:p>
+        </p:txBody>
+      </p:sp>
+      <p:pic>
+        <p:nvPicPr>
+          <p:cNvPr id="21" name="Picture 20" descr="A picture containing drawing&#10;&#10;Description automatically generated">
+            <a:extLst>
+              <a:ext uri="{FF2B5EF4-FFF2-40B4-BE49-F238E27FC236}">
+                <a16:creationId xmlns:a16="http://schemas.microsoft.com/office/drawing/2014/main" id="{8EEF3E12-DB8E-44B9-9B4D-69802D584DAA}"/>
+              </a:ext>
+            </a:extLst>
+          </p:cNvPr>
+          <p:cNvPicPr>
+            <a:picLocks noChangeAspect="1"/>
+          </p:cNvPicPr>
+          <p:nvPr/>
+        </p:nvPicPr>
+        <p:blipFill>
+          <a:blip r:embed="rId3">
+            <a:alphaModFix amt="70000"/>
+            <a:extLst>
+              <a:ext uri="{28A0092B-C50C-407E-A947-70E740481C1C}">
+                <a14:useLocalDpi xmlns:a14="http://schemas.microsoft.com/office/drawing/2010/main" val="0"/>
+              </a:ext>
+            </a:extLst>
+          </a:blip>
+          <a:stretch>
+            <a:fillRect/>
+          </a:stretch>
+        </p:blipFill>
+        <p:spPr>
+          <a:xfrm>
+            <a:off x="9044865" y="5190564"/>
+            <a:ext cx="3057487" cy="1331067"/>
+          </a:xfrm>
+          <a:prstGeom prst="rect">
+            <a:avLst/>
+          </a:prstGeom>
+          <a:ln>
+            <a:noFill/>
+          </a:ln>
+          <a:effectLst>
+            <a:reflection blurRad="12700" stA="30000" endPos="30000" dist="5000" dir="5400000" sy="-100000" algn="bl" rotWithShape="0"/>
+          </a:effectLst>
+          <a:scene3d>
+            <a:camera prst="perspectiveContrastingLeftFacing">
+              <a:rot lat="300000" lon="19800000" rev="0"/>
+            </a:camera>
+            <a:lightRig rig="threePt" dir="t">
+              <a:rot lat="0" lon="0" rev="2700000"/>
+            </a:lightRig>
+          </a:scene3d>
+          <a:sp3d>
+            <a:bevelT w="63500" h="50800"/>
+          </a:sp3d>
+        </p:spPr>
+      </p:pic>
+      <p:sp>
+        <p:nvSpPr>
+          <p:cNvPr id="22" name="Subtitle 2">
+            <a:extLst>
+              <a:ext uri="{FF2B5EF4-FFF2-40B4-BE49-F238E27FC236}">
+                <a16:creationId xmlns:a16="http://schemas.microsoft.com/office/drawing/2014/main" id="{66F7651F-9E92-431E-8D7F-7A494EDA9257}"/>
+              </a:ext>
+            </a:extLst>
+          </p:cNvPr>
+          <p:cNvSpPr txBox="1">
+            <a:spLocks/>
+          </p:cNvSpPr>
+          <p:nvPr/>
+        </p:nvSpPr>
+        <p:spPr>
+          <a:xfrm>
+            <a:off x="2677457" y="1541441"/>
+            <a:ext cx="9103211" cy="5578450"/>
+          </a:xfrm>
+          <a:prstGeom prst="rect">
+            <a:avLst/>
+          </a:prstGeom>
+        </p:spPr>
+        <p:txBody>
+          <a:bodyPr vert="horz" lIns="91440" tIns="45720" rIns="91440" bIns="45720" rtlCol="0" anchor="t">
+            <a:normAutofit/>
+          </a:bodyPr>
+          <a:lstStyle>
+            <a:lvl1pPr marL="182880" indent="-182880" algn="l" defTabSz="914400" rtl="0" eaLnBrk="1" latinLnBrk="0" hangingPunct="1">
+              <a:lnSpc>
+                <a:spcPct val="90000"/>
+              </a:lnSpc>
+              <a:spcBef>
+                <a:spcPts val="1200"/>
+              </a:spcBef>
+              <a:buClr>
+                <a:schemeClr val="accent1">
+                  <a:lumMod val="75000"/>
+                </a:schemeClr>
+              </a:buClr>
+              <a:buSzPct val="85000"/>
+              <a:buFont typeface="Wingdings" pitchFamily="2" charset="2"/>
+              <a:buChar char="§"/>
+              <a:defRPr sz="2000" kern="1200">
+                <a:solidFill>
+                  <a:schemeClr val="tx1"/>
+                </a:solidFill>
+                <a:latin typeface="+mn-lt"/>
+                <a:ea typeface="+mn-ea"/>
+                <a:cs typeface="+mn-cs"/>
+              </a:defRPr>
+            </a:lvl1pPr>
+            <a:lvl2pPr marL="457200" indent="-182880" algn="l" defTabSz="914400" rtl="0" eaLnBrk="1" latinLnBrk="0" hangingPunct="1">
+              <a:lnSpc>
+                <a:spcPct val="90000"/>
+              </a:lnSpc>
+              <a:spcBef>
+                <a:spcPts val="400"/>
+              </a:spcBef>
+              <a:spcAft>
+                <a:spcPts val="200"/>
+              </a:spcAft>
+              <a:buClr>
+                <a:schemeClr val="accent1">
+                  <a:lumMod val="75000"/>
+                </a:schemeClr>
+              </a:buClr>
+              <a:buSzPct val="85000"/>
+              <a:buFont typeface="Wingdings" pitchFamily="2" charset="2"/>
+              <a:buChar char="§"/>
+              <a:defRPr sz="1800" kern="1200">
+                <a:solidFill>
+                  <a:schemeClr val="tx1"/>
+                </a:solidFill>
+                <a:latin typeface="+mn-lt"/>
+                <a:ea typeface="+mn-ea"/>
+                <a:cs typeface="+mn-cs"/>
+              </a:defRPr>
+            </a:lvl2pPr>
+            <a:lvl3pPr marL="731520" indent="-182880" algn="l" defTabSz="914400" rtl="0" eaLnBrk="1" latinLnBrk="0" hangingPunct="1">
+              <a:lnSpc>
+                <a:spcPct val="90000"/>
+              </a:lnSpc>
+              <a:spcBef>
+                <a:spcPts val="400"/>
+              </a:spcBef>
+              <a:spcAft>
+                <a:spcPts val="200"/>
+              </a:spcAft>
+              <a:buClr>
+                <a:schemeClr val="accent1">
+                  <a:lumMod val="75000"/>
+                </a:schemeClr>
+              </a:buClr>
+              <a:buSzPct val="85000"/>
+              <a:buFont typeface="Wingdings" pitchFamily="2" charset="2"/>
+              <a:buChar char="§"/>
+              <a:defRPr sz="1600" kern="1200">
+                <a:solidFill>
+                  <a:schemeClr val="tx1"/>
+                </a:solidFill>
+                <a:latin typeface="+mn-lt"/>
+                <a:ea typeface="+mn-ea"/>
+                <a:cs typeface="+mn-cs"/>
+              </a:defRPr>
+            </a:lvl3pPr>
+            <a:lvl4pPr marL="1005840" indent="-182880" algn="l" defTabSz="914400" rtl="0" eaLnBrk="1" latinLnBrk="0" hangingPunct="1">
+              <a:lnSpc>
+                <a:spcPct val="90000"/>
+              </a:lnSpc>
+              <a:spcBef>
+                <a:spcPts val="400"/>
+              </a:spcBef>
+              <a:spcAft>
+                <a:spcPts val="200"/>
+              </a:spcAft>
+              <a:buClr>
+                <a:schemeClr val="accent1">
+                  <a:lumMod val="75000"/>
+                </a:schemeClr>
+              </a:buClr>
+              <a:buSzPct val="85000"/>
+              <a:buFont typeface="Wingdings" pitchFamily="2" charset="2"/>
+              <a:buChar char="§"/>
+              <a:defRPr sz="1600" kern="1200">
+                <a:solidFill>
+                  <a:schemeClr val="tx1"/>
+                </a:solidFill>
+                <a:latin typeface="+mn-lt"/>
+                <a:ea typeface="+mn-ea"/>
+                <a:cs typeface="+mn-cs"/>
+              </a:defRPr>
+            </a:lvl4pPr>
+            <a:lvl5pPr marL="1280160" indent="-182880" algn="l" defTabSz="914400" rtl="0" eaLnBrk="1" latinLnBrk="0" hangingPunct="1">
+              <a:lnSpc>
+                <a:spcPct val="90000"/>
+              </a:lnSpc>
+              <a:spcBef>
+                <a:spcPts val="400"/>
+              </a:spcBef>
+              <a:spcAft>
+                <a:spcPts val="200"/>
+              </a:spcAft>
+              <a:buClr>
+                <a:schemeClr val="accent1">
+                  <a:lumMod val="75000"/>
+                </a:schemeClr>
+              </a:buClr>
+              <a:buSzPct val="85000"/>
+              <a:buFont typeface="Wingdings" pitchFamily="2" charset="2"/>
+              <a:buChar char="§"/>
+              <a:defRPr sz="1600" kern="1200">
+                <a:solidFill>
+                  <a:schemeClr val="tx1"/>
+                </a:solidFill>
+                <a:latin typeface="+mn-lt"/>
+                <a:ea typeface="+mn-ea"/>
+                <a:cs typeface="+mn-cs"/>
+              </a:defRPr>
+            </a:lvl5pPr>
+            <a:lvl6pPr marL="1600000" indent="-228600" algn="l" defTabSz="914400" rtl="0" eaLnBrk="1" latinLnBrk="0" hangingPunct="1">
+              <a:lnSpc>
+                <a:spcPct val="90000"/>
+              </a:lnSpc>
+              <a:spcBef>
+                <a:spcPts val="400"/>
+              </a:spcBef>
+              <a:spcAft>
+                <a:spcPts val="200"/>
+              </a:spcAft>
+              <a:buClr>
+                <a:schemeClr val="accent1">
+                  <a:lumMod val="75000"/>
+                </a:schemeClr>
+              </a:buClr>
+              <a:buSzPct val="85000"/>
+              <a:buFont typeface="Wingdings" pitchFamily="2" charset="2"/>
+              <a:buChar char="§"/>
+              <a:defRPr sz="1600" kern="1200">
+                <a:solidFill>
+                  <a:schemeClr val="tx1"/>
+                </a:solidFill>
+                <a:latin typeface="+mn-lt"/>
+                <a:ea typeface="+mn-ea"/>
+                <a:cs typeface="+mn-cs"/>
+              </a:defRPr>
+            </a:lvl6pPr>
+            <a:lvl7pPr marL="1900000" indent="-228600" algn="l" defTabSz="914400" rtl="0" eaLnBrk="1" latinLnBrk="0" hangingPunct="1">
+              <a:lnSpc>
+                <a:spcPct val="90000"/>
+              </a:lnSpc>
+              <a:spcBef>
+                <a:spcPts val="400"/>
+              </a:spcBef>
+              <a:spcAft>
+                <a:spcPts val="200"/>
+              </a:spcAft>
+              <a:buClr>
+                <a:schemeClr val="accent1">
+                  <a:lumMod val="75000"/>
+                </a:schemeClr>
+              </a:buClr>
+              <a:buSzPct val="85000"/>
+              <a:buFont typeface="Wingdings" pitchFamily="2" charset="2"/>
+              <a:buChar char="§"/>
+              <a:defRPr sz="1600" kern="1200">
+                <a:solidFill>
+                  <a:schemeClr val="tx1"/>
+                </a:solidFill>
+                <a:latin typeface="+mn-lt"/>
+                <a:ea typeface="+mn-ea"/>
+                <a:cs typeface="+mn-cs"/>
+              </a:defRPr>
+            </a:lvl7pPr>
+            <a:lvl8pPr marL="2200000" indent="-228600" algn="l" defTabSz="914400" rtl="0" eaLnBrk="1" latinLnBrk="0" hangingPunct="1">
+              <a:lnSpc>
+                <a:spcPct val="90000"/>
+              </a:lnSpc>
+              <a:spcBef>
+                <a:spcPts val="400"/>
+              </a:spcBef>
+              <a:spcAft>
+                <a:spcPts val="200"/>
+              </a:spcAft>
+              <a:buClr>
+                <a:schemeClr val="accent1">
+                  <a:lumMod val="75000"/>
+                </a:schemeClr>
+              </a:buClr>
+              <a:buSzPct val="85000"/>
+              <a:buFont typeface="Wingdings" pitchFamily="2" charset="2"/>
+              <a:buChar char="§"/>
+              <a:defRPr sz="1600" kern="1200">
+                <a:solidFill>
+                  <a:schemeClr val="tx1"/>
+                </a:solidFill>
+                <a:latin typeface="+mn-lt"/>
+                <a:ea typeface="+mn-ea"/>
+                <a:cs typeface="+mn-cs"/>
+              </a:defRPr>
+            </a:lvl8pPr>
+            <a:lvl9pPr marL="2500000" indent="-228600" algn="l" defTabSz="914400" rtl="0" eaLnBrk="1" latinLnBrk="0" hangingPunct="1">
+              <a:lnSpc>
+                <a:spcPct val="90000"/>
+              </a:lnSpc>
+              <a:spcBef>
+                <a:spcPts val="400"/>
+              </a:spcBef>
+              <a:spcAft>
+                <a:spcPts val="200"/>
+              </a:spcAft>
+              <a:buClr>
+                <a:schemeClr val="accent1">
+                  <a:lumMod val="75000"/>
+                </a:schemeClr>
+              </a:buClr>
+              <a:buSzPct val="85000"/>
+              <a:buFont typeface="Wingdings" pitchFamily="2" charset="2"/>
+              <a:buChar char="§"/>
+              <a:defRPr sz="1600" kern="1200">
+                <a:solidFill>
+                  <a:schemeClr val="tx1"/>
+                </a:solidFill>
+                <a:latin typeface="+mn-lt"/>
+                <a:ea typeface="+mn-ea"/>
+                <a:cs typeface="+mn-cs"/>
+              </a:defRPr>
+            </a:lvl9pPr>
+          </a:lstStyle>
+          <a:p>
+            <a:pPr>
+              <a:buClr>
+                <a:schemeClr val="bg2">
+                  <a:lumMod val="90000"/>
+                </a:schemeClr>
+              </a:buClr>
+              <a:buSzPct val="100000"/>
+            </a:pPr>
+            <a:r>
+              <a:rPr lang="en-US" sz="2400" dirty="0">
+                <a:solidFill>
+                  <a:schemeClr val="accent5">
+                    <a:lumMod val="60000"/>
+                    <a:lumOff val="40000"/>
+                  </a:schemeClr>
+                </a:solidFill>
+                <a:latin typeface="Selawik Semibold" panose="020B0702040204020203" pitchFamily="34" charset="0"/>
+              </a:rPr>
+              <a:t>Rating Method by </a:t>
+            </a:r>
+            <a:r>
+              <a:rPr lang="en-US" sz="2400" dirty="0" err="1">
+                <a:solidFill>
+                  <a:schemeClr val="accent5">
+                    <a:lumMod val="60000"/>
+                    <a:lumOff val="40000"/>
+                  </a:schemeClr>
+                </a:solidFill>
+                <a:latin typeface="Selawik Semibold" panose="020B0702040204020203" pitchFamily="34" charset="0"/>
+              </a:rPr>
+              <a:t>Fivethirtyeight</a:t>
+            </a:r>
+            <a:endParaRPr lang="en-US" sz="2400" dirty="0">
+              <a:solidFill>
+                <a:schemeClr val="accent5">
+                  <a:lumMod val="60000"/>
+                  <a:lumOff val="40000"/>
+                </a:schemeClr>
+              </a:solidFill>
+              <a:latin typeface="Selawik Semibold" panose="020B0702040204020203" pitchFamily="34" charset="0"/>
+            </a:endParaRPr>
+          </a:p>
+          <a:p>
+            <a:pPr lvl="1">
+              <a:buClr>
+                <a:schemeClr val="bg2">
+                  <a:lumMod val="90000"/>
+                </a:schemeClr>
+              </a:buClr>
+              <a:buSzPct val="100000"/>
+            </a:pPr>
+            <a:r>
+              <a:rPr lang="en-US" sz="2000" dirty="0">
+                <a:solidFill>
+                  <a:schemeClr val="accent5">
+                    <a:lumMod val="60000"/>
+                    <a:lumOff val="40000"/>
+                  </a:schemeClr>
+                </a:solidFill>
+                <a:latin typeface="Selawik Semibold" panose="020B0702040204020203" pitchFamily="34" charset="0"/>
+              </a:rPr>
+              <a:t>Utilizes Elo Rating for Sports</a:t>
+            </a:r>
+          </a:p>
+          <a:p>
+            <a:pPr lvl="2">
+              <a:buClr>
+                <a:schemeClr val="bg2">
+                  <a:lumMod val="90000"/>
+                </a:schemeClr>
+              </a:buClr>
+              <a:buSzPct val="100000"/>
+            </a:pPr>
+            <a:r>
+              <a:rPr lang="en-US" sz="1800" dirty="0">
+                <a:solidFill>
+                  <a:schemeClr val="accent5">
+                    <a:lumMod val="60000"/>
+                    <a:lumOff val="40000"/>
+                  </a:schemeClr>
+                </a:solidFill>
+                <a:latin typeface="Selawik Semibold" panose="020B0702040204020203" pitchFamily="34" charset="0"/>
+              </a:rPr>
+              <a:t>Elo Rating Popularized in Chess</a:t>
+            </a:r>
+          </a:p>
+          <a:p>
+            <a:pPr lvl="2">
+              <a:buClr>
+                <a:schemeClr val="bg2">
+                  <a:lumMod val="90000"/>
+                </a:schemeClr>
+              </a:buClr>
+              <a:buSzPct val="100000"/>
+            </a:pPr>
+            <a:r>
+              <a:rPr lang="en-US" sz="1800" dirty="0">
+                <a:solidFill>
+                  <a:schemeClr val="accent5">
+                    <a:lumMod val="60000"/>
+                    <a:lumOff val="40000"/>
+                  </a:schemeClr>
+                </a:solidFill>
+                <a:latin typeface="Selawik Semibold" panose="020B0702040204020203" pitchFamily="34" charset="0"/>
+              </a:rPr>
+              <a:t>Judges Teams/Players From Head-to-Head Results</a:t>
+            </a:r>
+          </a:p>
+          <a:p>
+            <a:pPr lvl="2">
+              <a:buClr>
+                <a:schemeClr val="bg2">
+                  <a:lumMod val="90000"/>
+                </a:schemeClr>
+              </a:buClr>
+              <a:buSzPct val="100000"/>
+            </a:pPr>
+            <a:r>
+              <a:rPr lang="en-US" sz="1800" dirty="0" err="1">
+                <a:solidFill>
+                  <a:schemeClr val="accent5">
+                    <a:lumMod val="60000"/>
+                    <a:lumOff val="40000"/>
+                  </a:schemeClr>
+                </a:solidFill>
+                <a:latin typeface="Selawik Semibold" panose="020B0702040204020203" pitchFamily="34" charset="0"/>
+              </a:rPr>
+              <a:t>Fivethirtyeight</a:t>
+            </a:r>
+            <a:r>
+              <a:rPr lang="en-US" sz="1800" dirty="0">
+                <a:solidFill>
+                  <a:schemeClr val="accent5">
+                    <a:lumMod val="60000"/>
+                    <a:lumOff val="40000"/>
+                  </a:schemeClr>
+                </a:solidFill>
+                <a:latin typeface="Selawik Semibold" panose="020B0702040204020203" pitchFamily="34" charset="0"/>
+              </a:rPr>
+              <a:t> Uses Elo Ratings to Forecast Outcomes</a:t>
+            </a:r>
+          </a:p>
+          <a:p>
+            <a:pPr lvl="1">
+              <a:buClr>
+                <a:schemeClr val="bg2">
+                  <a:lumMod val="90000"/>
+                </a:schemeClr>
+              </a:buClr>
+              <a:buSzPct val="100000"/>
+            </a:pPr>
+            <a:r>
+              <a:rPr lang="en-US" sz="2000" dirty="0">
+                <a:solidFill>
+                  <a:schemeClr val="accent5">
+                    <a:lumMod val="60000"/>
+                    <a:lumOff val="40000"/>
+                  </a:schemeClr>
+                </a:solidFill>
+                <a:latin typeface="Selawik Semibold" panose="020B0702040204020203" pitchFamily="34" charset="0"/>
+              </a:rPr>
+              <a:t>Elo in NFL</a:t>
+            </a:r>
+          </a:p>
+          <a:p>
+            <a:pPr lvl="2">
+              <a:buClr>
+                <a:schemeClr val="bg2">
+                  <a:lumMod val="90000"/>
+                </a:schemeClr>
+              </a:buClr>
+              <a:buSzPct val="100000"/>
+            </a:pPr>
+            <a:r>
+              <a:rPr lang="en-US" sz="1800" dirty="0">
+                <a:solidFill>
+                  <a:schemeClr val="accent5">
+                    <a:lumMod val="60000"/>
+                    <a:lumOff val="40000"/>
+                  </a:schemeClr>
+                </a:solidFill>
+                <a:latin typeface="Selawik Semibold" panose="020B0702040204020203" pitchFamily="34" charset="0"/>
+              </a:rPr>
+              <a:t>Every Team Has a Power Rating</a:t>
+            </a:r>
+          </a:p>
+          <a:p>
+            <a:pPr lvl="2">
+              <a:buClr>
+                <a:schemeClr val="bg2">
+                  <a:lumMod val="90000"/>
+                </a:schemeClr>
+              </a:buClr>
+              <a:buSzPct val="100000"/>
+            </a:pPr>
+            <a:r>
+              <a:rPr lang="en-US" sz="1800" dirty="0">
+                <a:solidFill>
+                  <a:schemeClr val="accent5">
+                    <a:lumMod val="60000"/>
+                    <a:lumOff val="40000"/>
+                  </a:schemeClr>
+                </a:solidFill>
+                <a:latin typeface="Selawik Semibold" panose="020B0702040204020203" pitchFamily="34" charset="0"/>
+              </a:rPr>
+              <a:t>Average is 1500</a:t>
+            </a:r>
+          </a:p>
+          <a:p>
+            <a:pPr lvl="2">
+              <a:buClr>
+                <a:schemeClr val="bg2">
+                  <a:lumMod val="90000"/>
+                </a:schemeClr>
+              </a:buClr>
+              <a:buSzPct val="100000"/>
+            </a:pPr>
+            <a:r>
+              <a:rPr lang="en-US" sz="1800" dirty="0">
+                <a:solidFill>
+                  <a:schemeClr val="accent5">
+                    <a:lumMod val="60000"/>
+                    <a:lumOff val="40000"/>
+                  </a:schemeClr>
+                </a:solidFill>
+                <a:latin typeface="Selawik Semibold" panose="020B0702040204020203" pitchFamily="34" charset="0"/>
+              </a:rPr>
+              <a:t>Winner Gains Points Equal to the Points Lost by the Loser</a:t>
+            </a:r>
+            <a:endParaRPr lang="en-US" sz="2200" dirty="0">
+              <a:solidFill>
+                <a:schemeClr val="accent5">
+                  <a:lumMod val="60000"/>
+                  <a:lumOff val="40000"/>
+                </a:schemeClr>
+              </a:solidFill>
+              <a:latin typeface="Selawik Semibold" panose="020B0702040204020203" pitchFamily="34" charset="0"/>
+            </a:endParaRPr>
+          </a:p>
+          <a:p>
+            <a:pPr lvl="1">
+              <a:buClr>
+                <a:schemeClr val="bg2">
+                  <a:lumMod val="90000"/>
+                </a:schemeClr>
+              </a:buClr>
+              <a:buSzPct val="100000"/>
+            </a:pPr>
+            <a:r>
+              <a:rPr lang="en-US" sz="2000" dirty="0">
+                <a:solidFill>
+                  <a:schemeClr val="accent5">
+                    <a:lumMod val="60000"/>
+                    <a:lumOff val="40000"/>
+                  </a:schemeClr>
+                </a:solidFill>
+                <a:latin typeface="Selawik Semibold" panose="020B0702040204020203" pitchFamily="34" charset="0"/>
+              </a:rPr>
+              <a:t>Formula for Odds of Team Winning</a:t>
+            </a:r>
+          </a:p>
+        </p:txBody>
+      </p:sp>
+      <p:pic>
+        <p:nvPicPr>
+          <p:cNvPr id="5" name="Content Placeholder 4" descr="A picture containing banana, sitting, yellow&#10;&#10;Description automatically generated">
+            <a:extLst>
+              <a:ext uri="{FF2B5EF4-FFF2-40B4-BE49-F238E27FC236}">
+                <a16:creationId xmlns:a16="http://schemas.microsoft.com/office/drawing/2014/main" id="{9F9AFDF2-6918-4AB4-A081-4ACBF234EB6E}"/>
+              </a:ext>
+            </a:extLst>
+          </p:cNvPr>
+          <p:cNvPicPr>
+            <a:picLocks noGrp="1" noChangeAspect="1"/>
+          </p:cNvPicPr>
+          <p:nvPr>
+            <p:ph idx="1"/>
+          </p:nvPr>
+        </p:nvPicPr>
+        <p:blipFill>
+          <a:blip r:embed="rId4">
+            <a:alphaModFix amt="69000"/>
+            <a:extLst>
+              <a:ext uri="{28A0092B-C50C-407E-A947-70E740481C1C}">
+                <a14:useLocalDpi xmlns:a14="http://schemas.microsoft.com/office/drawing/2010/main" val="0"/>
+              </a:ext>
+            </a:extLst>
+          </a:blip>
+          <a:stretch>
+            <a:fillRect/>
+          </a:stretch>
+        </p:blipFill>
+        <p:spPr>
+          <a:xfrm>
+            <a:off x="-4045184" y="-235089"/>
+            <a:ext cx="5823184" cy="7570140"/>
+          </a:xfrm>
+          <a:prstGeom prst="rect">
+            <a:avLst/>
+          </a:prstGeom>
+          <a:ln>
+            <a:noFill/>
+          </a:ln>
+          <a:effectLst>
+            <a:softEdge rad="112500"/>
+          </a:effectLst>
+        </p:spPr>
+      </p:pic>
+      <mc:AlternateContent xmlns:mc="http://schemas.openxmlformats.org/markup-compatibility/2006">
+        <mc:Choice xmlns:a14="http://schemas.microsoft.com/office/drawing/2010/main" Requires="a14">
+          <p:sp>
+            <p:nvSpPr>
+              <p:cNvPr id="10" name="TextBox 9">
+                <a:extLst>
+                  <a:ext uri="{FF2B5EF4-FFF2-40B4-BE49-F238E27FC236}">
+                    <a16:creationId xmlns:a16="http://schemas.microsoft.com/office/drawing/2014/main" id="{6F458B90-32A5-4F1C-92BB-6095198C9136}"/>
+                  </a:ext>
+                </a:extLst>
+              </p:cNvPr>
+              <p:cNvSpPr txBox="1"/>
+              <p:nvPr/>
+            </p:nvSpPr>
+            <p:spPr>
+              <a:xfrm>
+                <a:off x="-936702" y="4982023"/>
+                <a:ext cx="11316019" cy="985334"/>
+              </a:xfrm>
+              <a:prstGeom prst="rect">
+                <a:avLst/>
+              </a:prstGeom>
+              <a:noFill/>
+            </p:spPr>
+            <p:txBody>
+              <a:bodyPr wrap="square" rtlCol="0">
+                <a:spAutoFit/>
+              </a:bodyPr>
+              <a:lstStyle/>
+              <a:p>
+                <a:pPr/>
+                <a14:m>
+                  <m:oMathPara xmlns:m="http://schemas.openxmlformats.org/officeDocument/2006/math">
+                    <m:oMathParaPr>
+                      <m:jc m:val="centerGroup"/>
+                    </m:oMathParaPr>
+                    <m:oMath xmlns:m="http://schemas.openxmlformats.org/officeDocument/2006/math">
+                      <m:r>
+                        <a:rPr lang="en-US" sz="2400" b="0" i="1" smtClean="0">
+                          <a:solidFill>
+                            <a:srgbClr val="BDB5B6"/>
+                          </a:solidFill>
+                          <a:latin typeface="Cambria Math" panose="02040503050406030204" pitchFamily="18" charset="0"/>
+                        </a:rPr>
+                        <m:t>𝑃</m:t>
+                      </m:r>
+                      <m:d>
+                        <m:dPr>
+                          <m:ctrlPr>
+                            <a:rPr lang="en-US" sz="2400" b="0" i="1" smtClean="0">
+                              <a:solidFill>
+                                <a:srgbClr val="BDB5B6"/>
+                              </a:solidFill>
+                              <a:latin typeface="Cambria Math" panose="02040503050406030204" pitchFamily="18" charset="0"/>
+                            </a:rPr>
+                          </m:ctrlPr>
+                        </m:dPr>
+                        <m:e>
+                          <m:r>
+                            <a:rPr lang="en-US" sz="2400" b="0" i="1" smtClean="0">
+                              <a:solidFill>
+                                <a:srgbClr val="BDB5B6"/>
+                              </a:solidFill>
+                              <a:latin typeface="Cambria Math" panose="02040503050406030204" pitchFamily="18" charset="0"/>
+                            </a:rPr>
+                            <m:t>𝐴</m:t>
+                          </m:r>
+                        </m:e>
+                      </m:d>
+                      <m:r>
+                        <a:rPr lang="en-US" sz="2400" b="0" i="1" smtClean="0">
+                          <a:solidFill>
+                            <a:srgbClr val="BDB5B6"/>
+                          </a:solidFill>
+                          <a:latin typeface="Cambria Math" panose="02040503050406030204" pitchFamily="18" charset="0"/>
+                        </a:rPr>
+                        <m:t>=</m:t>
+                      </m:r>
+                      <m:f>
+                        <m:fPr>
+                          <m:ctrlPr>
+                            <a:rPr lang="en-US" sz="2400" b="0" i="1" smtClean="0">
+                              <a:solidFill>
+                                <a:srgbClr val="BDB5B6"/>
+                              </a:solidFill>
+                              <a:latin typeface="Cambria Math" panose="02040503050406030204" pitchFamily="18" charset="0"/>
+                            </a:rPr>
+                          </m:ctrlPr>
+                        </m:fPr>
+                        <m:num>
+                          <m:r>
+                            <a:rPr lang="en-US" sz="2400" b="0" i="1" smtClean="0">
+                              <a:solidFill>
+                                <a:srgbClr val="BDB5B6"/>
+                              </a:solidFill>
+                              <a:latin typeface="Cambria Math" panose="02040503050406030204" pitchFamily="18" charset="0"/>
+                            </a:rPr>
+                            <m:t>1</m:t>
+                          </m:r>
+                        </m:num>
+                        <m:den>
+                          <m:sSup>
+                            <m:sSupPr>
+                              <m:ctrlPr>
+                                <a:rPr lang="en-US" sz="2400" b="0" i="1" smtClean="0">
+                                  <a:solidFill>
+                                    <a:srgbClr val="BDB5B6"/>
+                                  </a:solidFill>
+                                  <a:latin typeface="Cambria Math" panose="02040503050406030204" pitchFamily="18" charset="0"/>
+                                </a:rPr>
+                              </m:ctrlPr>
+                            </m:sSupPr>
+                            <m:e>
+                              <m:r>
+                                <a:rPr lang="en-US" sz="2400" i="1" smtClean="0">
+                                  <a:solidFill>
+                                    <a:srgbClr val="BDB5B6"/>
+                                  </a:solidFill>
+                                  <a:latin typeface="Cambria Math" panose="02040503050406030204" pitchFamily="18" charset="0"/>
+                                </a:rPr>
+                                <m:t>1</m:t>
+                              </m:r>
+                              <m:r>
+                                <a:rPr lang="en-US" sz="2400" b="0" i="1" smtClean="0">
+                                  <a:solidFill>
+                                    <a:srgbClr val="BDB5B6"/>
+                                  </a:solidFill>
+                                  <a:latin typeface="Cambria Math" panose="02040503050406030204" pitchFamily="18" charset="0"/>
+                                </a:rPr>
+                                <m:t>0</m:t>
+                              </m:r>
+                            </m:e>
+                            <m:sup>
+                              <m:r>
+                                <a:rPr lang="en-US" sz="2400" b="0" i="1" smtClean="0">
+                                  <a:solidFill>
+                                    <a:srgbClr val="BDB5B6"/>
+                                  </a:solidFill>
+                                  <a:latin typeface="Cambria Math" panose="02040503050406030204" pitchFamily="18" charset="0"/>
+                                </a:rPr>
+                                <m:t>−</m:t>
+                              </m:r>
+                              <m:f>
+                                <m:fPr>
+                                  <m:ctrlPr>
+                                    <a:rPr lang="en-US" sz="2400" b="0" i="1" smtClean="0">
+                                      <a:solidFill>
+                                        <a:srgbClr val="BDB5B6"/>
+                                      </a:solidFill>
+                                      <a:latin typeface="Cambria Math" panose="02040503050406030204" pitchFamily="18" charset="0"/>
+                                    </a:rPr>
+                                  </m:ctrlPr>
+                                </m:fPr>
+                                <m:num>
+                                  <m:r>
+                                    <a:rPr lang="en-US" sz="2400" b="0" i="1" smtClean="0">
+                                      <a:solidFill>
+                                        <a:srgbClr val="BDB5B6"/>
+                                      </a:solidFill>
+                                      <a:latin typeface="Cambria Math" panose="02040503050406030204" pitchFamily="18" charset="0"/>
+                                    </a:rPr>
+                                    <m:t>𝐸𝑙𝑜𝐷𝑖𝑓𝑓</m:t>
+                                  </m:r>
+                                </m:num>
+                                <m:den>
+                                  <m:r>
+                                    <a:rPr lang="en-US" sz="2400" b="0" i="1" smtClean="0">
+                                      <a:solidFill>
+                                        <a:srgbClr val="BDB5B6"/>
+                                      </a:solidFill>
+                                      <a:latin typeface="Cambria Math" panose="02040503050406030204" pitchFamily="18" charset="0"/>
+                                    </a:rPr>
+                                    <m:t>400</m:t>
+                                  </m:r>
+                                </m:den>
+                              </m:f>
+                            </m:sup>
+                          </m:sSup>
+                          <m:r>
+                            <a:rPr lang="en-US" sz="2400" b="0" i="1" smtClean="0">
+                              <a:solidFill>
+                                <a:srgbClr val="BDB5B6"/>
+                              </a:solidFill>
+                              <a:latin typeface="Cambria Math" panose="02040503050406030204" pitchFamily="18" charset="0"/>
+                            </a:rPr>
+                            <m:t>+1</m:t>
+                          </m:r>
+                        </m:den>
+                      </m:f>
+                    </m:oMath>
+                  </m:oMathPara>
+                </a14:m>
+                <a:endParaRPr lang="en-US" sz="2400" dirty="0">
+                  <a:solidFill>
+                    <a:srgbClr val="BDB5B6"/>
+                  </a:solidFill>
+                </a:endParaRPr>
+              </a:p>
+            </p:txBody>
+          </p:sp>
+        </mc:Choice>
+        <mc:Fallback>
+          <p:sp>
+            <p:nvSpPr>
+              <p:cNvPr id="10" name="TextBox 9">
+                <a:extLst>
+                  <a:ext uri="{FF2B5EF4-FFF2-40B4-BE49-F238E27FC236}">
+                    <a16:creationId xmlns:a16="http://schemas.microsoft.com/office/drawing/2014/main" id="{6F458B90-32A5-4F1C-92BB-6095198C9136}"/>
+                  </a:ext>
+                </a:extLst>
+              </p:cNvPr>
+              <p:cNvSpPr txBox="1">
+                <a:spLocks noRot="1" noChangeAspect="1" noMove="1" noResize="1" noEditPoints="1" noAdjustHandles="1" noChangeArrowheads="1" noChangeShapeType="1" noTextEdit="1"/>
+              </p:cNvSpPr>
+              <p:nvPr/>
+            </p:nvSpPr>
+            <p:spPr>
+              <a:xfrm>
+                <a:off x="-936702" y="4982023"/>
+                <a:ext cx="11316019" cy="985334"/>
+              </a:xfrm>
+              <a:prstGeom prst="rect">
+                <a:avLst/>
+              </a:prstGeom>
+              <a:blipFill>
+                <a:blip r:embed="rId5"/>
+                <a:stretch>
+                  <a:fillRect/>
+                </a:stretch>
+              </a:blipFill>
+            </p:spPr>
+            <p:txBody>
+              <a:bodyPr/>
+              <a:lstStyle/>
+              <a:p>
+                <a:r>
+                  <a:rPr lang="en-US">
+                    <a:noFill/>
+                  </a:rPr>
+                  <a:t> </a:t>
+                </a:r>
+              </a:p>
+            </p:txBody>
+          </p:sp>
+        </mc:Fallback>
+      </mc:AlternateContent>
+    </p:spTree>
+    <p:extLst>
+      <p:ext uri="{BB962C8B-B14F-4D97-AF65-F5344CB8AC3E}">
+        <p14:creationId xmlns:p14="http://schemas.microsoft.com/office/powerpoint/2010/main" val="4061517917"/>
+      </p:ext>
+    </p:extLst>
+  </p:cSld>
+  <p:clrMapOvr>
+    <a:masterClrMapping/>
+  </p:clrMapOvr>
+</p:sld>
+</file>
+
+<file path=ppt/slides/slide13.xml><?xml version="1.0" encoding="utf-8"?>
+<p:sld xmlns:a="http://schemas.openxmlformats.org/drawingml/2006/main" xmlns:r="http://schemas.openxmlformats.org/officeDocument/2006/relationships" xmlns:p="http://schemas.openxmlformats.org/presentationml/2006/main" showMasterSp="0">
+  <p:cSld>
+    <p:bg>
+      <p:bgPr>
+        <a:blipFill dpi="0" rotWithShape="1">
+          <a:blip r:embed="rId2">
+            <a:lum/>
+          </a:blip>
+          <a:srcRect/>
+          <a:tile tx="0" ty="0" sx="100000" sy="100000" flip="none" algn="tl"/>
+        </a:blipFill>
+        <a:effectLst/>
+      </p:bgPr>
+    </p:bg>
+    <p:spTree>
+      <p:nvGrpSpPr>
+        <p:cNvPr id="1" name=""/>
+        <p:cNvGrpSpPr/>
+        <p:nvPr/>
+      </p:nvGrpSpPr>
+      <p:grpSpPr>
+        <a:xfrm>
+          <a:off x="0" y="0"/>
+          <a:ext cx="0" cy="0"/>
+          <a:chOff x="0" y="0"/>
+          <a:chExt cx="0" cy="0"/>
+        </a:xfrm>
+      </p:grpSpPr>
+      <p:sp>
+        <p:nvSpPr>
+          <p:cNvPr id="9" name="Arrow: Chevron 8">
+            <a:extLst>
+              <a:ext uri="{FF2B5EF4-FFF2-40B4-BE49-F238E27FC236}">
+                <a16:creationId xmlns:a16="http://schemas.microsoft.com/office/drawing/2014/main" id="{24415BF9-56C9-403E-8BE8-95CC8185EFB1}"/>
+              </a:ext>
+            </a:extLst>
+          </p:cNvPr>
+          <p:cNvSpPr/>
+          <p:nvPr/>
+        </p:nvSpPr>
+        <p:spPr>
+          <a:xfrm rot="10800000">
+            <a:off x="2115070" y="336369"/>
+            <a:ext cx="10534129" cy="837148"/>
+          </a:xfrm>
+          <a:prstGeom prst="chevron">
+            <a:avLst/>
+          </a:prstGeom>
+        </p:spPr>
+        <p:style>
+          <a:lnRef idx="2">
+            <a:schemeClr val="accent2">
+              <a:shade val="50000"/>
+            </a:schemeClr>
+          </a:lnRef>
+          <a:fillRef idx="1">
+            <a:schemeClr val="accent2"/>
+          </a:fillRef>
+          <a:effectRef idx="0">
+            <a:schemeClr val="accent2"/>
+          </a:effectRef>
+          <a:fontRef idx="minor">
+            <a:schemeClr val="lt1"/>
+          </a:fontRef>
+        </p:style>
+        <p:txBody>
+          <a:bodyPr rtlCol="0" anchor="ctr"/>
+          <a:lstStyle/>
+          <a:p>
+            <a:pPr algn="ctr"/>
+            <a:endParaRPr lang="en-US">
+              <a:solidFill>
+                <a:schemeClr val="accent1">
+                  <a:lumMod val="75000"/>
+                </a:schemeClr>
+              </a:solidFill>
+            </a:endParaRPr>
+          </a:p>
+        </p:txBody>
+      </p:sp>
+      <p:sp>
+        <p:nvSpPr>
+          <p:cNvPr id="2" name="Title 1">
+            <a:extLst>
+              <a:ext uri="{FF2B5EF4-FFF2-40B4-BE49-F238E27FC236}">
+                <a16:creationId xmlns:a16="http://schemas.microsoft.com/office/drawing/2014/main" id="{9392CDF9-6C62-44DD-B489-EA9E8C54097A}"/>
+              </a:ext>
+            </a:extLst>
+          </p:cNvPr>
+          <p:cNvSpPr>
+            <a:spLocks noGrp="1"/>
+          </p:cNvSpPr>
+          <p:nvPr>
+            <p:ph type="title"/>
+          </p:nvPr>
+        </p:nvSpPr>
+        <p:spPr>
+          <a:xfrm>
+            <a:off x="2590799" y="0"/>
+            <a:ext cx="10058400" cy="1609344"/>
+          </a:xfrm>
+        </p:spPr>
+        <p:txBody>
+          <a:bodyPr>
+            <a:normAutofit/>
+          </a:bodyPr>
+          <a:lstStyle/>
+          <a:p>
+            <a:r>
+              <a:rPr lang="en-US" sz="4800" dirty="0">
+                <a:solidFill>
+                  <a:schemeClr val="bg2">
+                    <a:lumMod val="75000"/>
+                  </a:schemeClr>
+                </a:solidFill>
+                <a:latin typeface="Selawik Semibold" panose="020B0702040204020203" pitchFamily="34" charset="0"/>
+              </a:rPr>
+              <a:t>Rating sports teams</a:t>
+            </a:r>
+          </a:p>
+        </p:txBody>
+      </p:sp>
+      <p:pic>
+        <p:nvPicPr>
+          <p:cNvPr id="21" name="Picture 20" descr="A picture containing drawing&#10;&#10;Description automatically generated">
+            <a:extLst>
+              <a:ext uri="{FF2B5EF4-FFF2-40B4-BE49-F238E27FC236}">
+                <a16:creationId xmlns:a16="http://schemas.microsoft.com/office/drawing/2014/main" id="{8EEF3E12-DB8E-44B9-9B4D-69802D584DAA}"/>
+              </a:ext>
+            </a:extLst>
+          </p:cNvPr>
+          <p:cNvPicPr>
+            <a:picLocks noChangeAspect="1"/>
+          </p:cNvPicPr>
+          <p:nvPr/>
+        </p:nvPicPr>
+        <p:blipFill>
+          <a:blip r:embed="rId3">
+            <a:alphaModFix amt="70000"/>
+            <a:extLst>
+              <a:ext uri="{28A0092B-C50C-407E-A947-70E740481C1C}">
+                <a14:useLocalDpi xmlns:a14="http://schemas.microsoft.com/office/drawing/2010/main" val="0"/>
+              </a:ext>
+            </a:extLst>
+          </a:blip>
+          <a:stretch>
+            <a:fillRect/>
+          </a:stretch>
+        </p:blipFill>
+        <p:spPr>
+          <a:xfrm>
+            <a:off x="9044865" y="5190564"/>
+            <a:ext cx="3057487" cy="1331067"/>
+          </a:xfrm>
+          <a:prstGeom prst="rect">
+            <a:avLst/>
+          </a:prstGeom>
+          <a:ln>
+            <a:noFill/>
+          </a:ln>
+          <a:effectLst>
+            <a:reflection blurRad="12700" stA="30000" endPos="30000" dist="5000" dir="5400000" sy="-100000" algn="bl" rotWithShape="0"/>
+          </a:effectLst>
+          <a:scene3d>
+            <a:camera prst="perspectiveContrastingLeftFacing">
+              <a:rot lat="300000" lon="19800000" rev="0"/>
+            </a:camera>
+            <a:lightRig rig="threePt" dir="t">
+              <a:rot lat="0" lon="0" rev="2700000"/>
+            </a:lightRig>
+          </a:scene3d>
+          <a:sp3d>
+            <a:bevelT w="63500" h="50800"/>
+          </a:sp3d>
+        </p:spPr>
+      </p:pic>
+      <p:sp>
+        <p:nvSpPr>
+          <p:cNvPr id="22" name="Subtitle 2">
+            <a:extLst>
+              <a:ext uri="{FF2B5EF4-FFF2-40B4-BE49-F238E27FC236}">
+                <a16:creationId xmlns:a16="http://schemas.microsoft.com/office/drawing/2014/main" id="{66F7651F-9E92-431E-8D7F-7A494EDA9257}"/>
+              </a:ext>
+            </a:extLst>
+          </p:cNvPr>
+          <p:cNvSpPr txBox="1">
+            <a:spLocks/>
+          </p:cNvSpPr>
+          <p:nvPr/>
+        </p:nvSpPr>
+        <p:spPr>
+          <a:xfrm>
+            <a:off x="2677457" y="1541441"/>
+            <a:ext cx="9103211" cy="5578450"/>
+          </a:xfrm>
+          <a:prstGeom prst="rect">
+            <a:avLst/>
+          </a:prstGeom>
+        </p:spPr>
+        <p:txBody>
+          <a:bodyPr vert="horz" lIns="91440" tIns="45720" rIns="91440" bIns="45720" rtlCol="0" anchor="t">
+            <a:normAutofit/>
+          </a:bodyPr>
+          <a:lstStyle>
+            <a:lvl1pPr marL="182880" indent="-182880" algn="l" defTabSz="914400" rtl="0" eaLnBrk="1" latinLnBrk="0" hangingPunct="1">
+              <a:lnSpc>
+                <a:spcPct val="90000"/>
+              </a:lnSpc>
+              <a:spcBef>
+                <a:spcPts val="1200"/>
+              </a:spcBef>
+              <a:buClr>
+                <a:schemeClr val="accent1">
+                  <a:lumMod val="75000"/>
+                </a:schemeClr>
+              </a:buClr>
+              <a:buSzPct val="85000"/>
+              <a:buFont typeface="Wingdings" pitchFamily="2" charset="2"/>
+              <a:buChar char="§"/>
+              <a:defRPr sz="2000" kern="1200">
+                <a:solidFill>
+                  <a:schemeClr val="tx1"/>
+                </a:solidFill>
+                <a:latin typeface="+mn-lt"/>
+                <a:ea typeface="+mn-ea"/>
+                <a:cs typeface="+mn-cs"/>
+              </a:defRPr>
+            </a:lvl1pPr>
+            <a:lvl2pPr marL="457200" indent="-182880" algn="l" defTabSz="914400" rtl="0" eaLnBrk="1" latinLnBrk="0" hangingPunct="1">
+              <a:lnSpc>
+                <a:spcPct val="90000"/>
+              </a:lnSpc>
+              <a:spcBef>
+                <a:spcPts val="400"/>
+              </a:spcBef>
+              <a:spcAft>
+                <a:spcPts val="200"/>
+              </a:spcAft>
+              <a:buClr>
+                <a:schemeClr val="accent1">
+                  <a:lumMod val="75000"/>
+                </a:schemeClr>
+              </a:buClr>
+              <a:buSzPct val="85000"/>
+              <a:buFont typeface="Wingdings" pitchFamily="2" charset="2"/>
+              <a:buChar char="§"/>
+              <a:defRPr sz="1800" kern="1200">
+                <a:solidFill>
+                  <a:schemeClr val="tx1"/>
+                </a:solidFill>
+                <a:latin typeface="+mn-lt"/>
+                <a:ea typeface="+mn-ea"/>
+                <a:cs typeface="+mn-cs"/>
+              </a:defRPr>
+            </a:lvl2pPr>
+            <a:lvl3pPr marL="731520" indent="-182880" algn="l" defTabSz="914400" rtl="0" eaLnBrk="1" latinLnBrk="0" hangingPunct="1">
+              <a:lnSpc>
+                <a:spcPct val="90000"/>
+              </a:lnSpc>
+              <a:spcBef>
+                <a:spcPts val="400"/>
+              </a:spcBef>
+              <a:spcAft>
+                <a:spcPts val="200"/>
+              </a:spcAft>
+              <a:buClr>
+                <a:schemeClr val="accent1">
+                  <a:lumMod val="75000"/>
+                </a:schemeClr>
+              </a:buClr>
+              <a:buSzPct val="85000"/>
+              <a:buFont typeface="Wingdings" pitchFamily="2" charset="2"/>
+              <a:buChar char="§"/>
+              <a:defRPr sz="1600" kern="1200">
+                <a:solidFill>
+                  <a:schemeClr val="tx1"/>
+                </a:solidFill>
+                <a:latin typeface="+mn-lt"/>
+                <a:ea typeface="+mn-ea"/>
+                <a:cs typeface="+mn-cs"/>
+              </a:defRPr>
+            </a:lvl3pPr>
+            <a:lvl4pPr marL="1005840" indent="-182880" algn="l" defTabSz="914400" rtl="0" eaLnBrk="1" latinLnBrk="0" hangingPunct="1">
+              <a:lnSpc>
+                <a:spcPct val="90000"/>
+              </a:lnSpc>
+              <a:spcBef>
+                <a:spcPts val="400"/>
+              </a:spcBef>
+              <a:spcAft>
+                <a:spcPts val="200"/>
+              </a:spcAft>
+              <a:buClr>
+                <a:schemeClr val="accent1">
+                  <a:lumMod val="75000"/>
+                </a:schemeClr>
+              </a:buClr>
+              <a:buSzPct val="85000"/>
+              <a:buFont typeface="Wingdings" pitchFamily="2" charset="2"/>
+              <a:buChar char="§"/>
+              <a:defRPr sz="1600" kern="1200">
+                <a:solidFill>
+                  <a:schemeClr val="tx1"/>
+                </a:solidFill>
+                <a:latin typeface="+mn-lt"/>
+                <a:ea typeface="+mn-ea"/>
+                <a:cs typeface="+mn-cs"/>
+              </a:defRPr>
+            </a:lvl4pPr>
+            <a:lvl5pPr marL="1280160" indent="-182880" algn="l" defTabSz="914400" rtl="0" eaLnBrk="1" latinLnBrk="0" hangingPunct="1">
+              <a:lnSpc>
+                <a:spcPct val="90000"/>
+              </a:lnSpc>
+              <a:spcBef>
+                <a:spcPts val="400"/>
+              </a:spcBef>
+              <a:spcAft>
+                <a:spcPts val="200"/>
+              </a:spcAft>
+              <a:buClr>
+                <a:schemeClr val="accent1">
+                  <a:lumMod val="75000"/>
+                </a:schemeClr>
+              </a:buClr>
+              <a:buSzPct val="85000"/>
+              <a:buFont typeface="Wingdings" pitchFamily="2" charset="2"/>
+              <a:buChar char="§"/>
+              <a:defRPr sz="1600" kern="1200">
+                <a:solidFill>
+                  <a:schemeClr val="tx1"/>
+                </a:solidFill>
+                <a:latin typeface="+mn-lt"/>
+                <a:ea typeface="+mn-ea"/>
+                <a:cs typeface="+mn-cs"/>
+              </a:defRPr>
+            </a:lvl5pPr>
+            <a:lvl6pPr marL="1600000" indent="-228600" algn="l" defTabSz="914400" rtl="0" eaLnBrk="1" latinLnBrk="0" hangingPunct="1">
+              <a:lnSpc>
+                <a:spcPct val="90000"/>
+              </a:lnSpc>
+              <a:spcBef>
+                <a:spcPts val="400"/>
+              </a:spcBef>
+              <a:spcAft>
+                <a:spcPts val="200"/>
+              </a:spcAft>
+              <a:buClr>
+                <a:schemeClr val="accent1">
+                  <a:lumMod val="75000"/>
+                </a:schemeClr>
+              </a:buClr>
+              <a:buSzPct val="85000"/>
+              <a:buFont typeface="Wingdings" pitchFamily="2" charset="2"/>
+              <a:buChar char="§"/>
+              <a:defRPr sz="1600" kern="1200">
+                <a:solidFill>
+                  <a:schemeClr val="tx1"/>
+                </a:solidFill>
+                <a:latin typeface="+mn-lt"/>
+                <a:ea typeface="+mn-ea"/>
+                <a:cs typeface="+mn-cs"/>
+              </a:defRPr>
+            </a:lvl6pPr>
+            <a:lvl7pPr marL="1900000" indent="-228600" algn="l" defTabSz="914400" rtl="0" eaLnBrk="1" latinLnBrk="0" hangingPunct="1">
+              <a:lnSpc>
+                <a:spcPct val="90000"/>
+              </a:lnSpc>
+              <a:spcBef>
+                <a:spcPts val="400"/>
+              </a:spcBef>
+              <a:spcAft>
+                <a:spcPts val="200"/>
+              </a:spcAft>
+              <a:buClr>
+                <a:schemeClr val="accent1">
+                  <a:lumMod val="75000"/>
+                </a:schemeClr>
+              </a:buClr>
+              <a:buSzPct val="85000"/>
+              <a:buFont typeface="Wingdings" pitchFamily="2" charset="2"/>
+              <a:buChar char="§"/>
+              <a:defRPr sz="1600" kern="1200">
+                <a:solidFill>
+                  <a:schemeClr val="tx1"/>
+                </a:solidFill>
+                <a:latin typeface="+mn-lt"/>
+                <a:ea typeface="+mn-ea"/>
+                <a:cs typeface="+mn-cs"/>
+              </a:defRPr>
+            </a:lvl7pPr>
+            <a:lvl8pPr marL="2200000" indent="-228600" algn="l" defTabSz="914400" rtl="0" eaLnBrk="1" latinLnBrk="0" hangingPunct="1">
+              <a:lnSpc>
+                <a:spcPct val="90000"/>
+              </a:lnSpc>
+              <a:spcBef>
+                <a:spcPts val="400"/>
+              </a:spcBef>
+              <a:spcAft>
+                <a:spcPts val="200"/>
+              </a:spcAft>
+              <a:buClr>
+                <a:schemeClr val="accent1">
+                  <a:lumMod val="75000"/>
+                </a:schemeClr>
+              </a:buClr>
+              <a:buSzPct val="85000"/>
+              <a:buFont typeface="Wingdings" pitchFamily="2" charset="2"/>
+              <a:buChar char="§"/>
+              <a:defRPr sz="1600" kern="1200">
+                <a:solidFill>
+                  <a:schemeClr val="tx1"/>
+                </a:solidFill>
+                <a:latin typeface="+mn-lt"/>
+                <a:ea typeface="+mn-ea"/>
+                <a:cs typeface="+mn-cs"/>
+              </a:defRPr>
+            </a:lvl8pPr>
+            <a:lvl9pPr marL="2500000" indent="-228600" algn="l" defTabSz="914400" rtl="0" eaLnBrk="1" latinLnBrk="0" hangingPunct="1">
+              <a:lnSpc>
+                <a:spcPct val="90000"/>
+              </a:lnSpc>
+              <a:spcBef>
+                <a:spcPts val="400"/>
+              </a:spcBef>
+              <a:spcAft>
+                <a:spcPts val="200"/>
+              </a:spcAft>
+              <a:buClr>
+                <a:schemeClr val="accent1">
+                  <a:lumMod val="75000"/>
+                </a:schemeClr>
+              </a:buClr>
+              <a:buSzPct val="85000"/>
+              <a:buFont typeface="Wingdings" pitchFamily="2" charset="2"/>
+              <a:buChar char="§"/>
+              <a:defRPr sz="1600" kern="1200">
+                <a:solidFill>
+                  <a:schemeClr val="tx1"/>
+                </a:solidFill>
+                <a:latin typeface="+mn-lt"/>
+                <a:ea typeface="+mn-ea"/>
+                <a:cs typeface="+mn-cs"/>
+              </a:defRPr>
+            </a:lvl9pPr>
+          </a:lstStyle>
+          <a:p>
+            <a:pPr>
+              <a:buClr>
+                <a:schemeClr val="bg2">
+                  <a:lumMod val="90000"/>
+                </a:schemeClr>
+              </a:buClr>
+              <a:buSzPct val="100000"/>
+            </a:pPr>
+            <a:r>
+              <a:rPr lang="en-US" sz="2400" dirty="0">
+                <a:solidFill>
+                  <a:schemeClr val="accent5">
+                    <a:lumMod val="60000"/>
+                    <a:lumOff val="40000"/>
+                  </a:schemeClr>
+                </a:solidFill>
+                <a:latin typeface="Selawik Semibold" panose="020B0702040204020203" pitchFamily="34" charset="0"/>
+              </a:rPr>
+              <a:t>Rating Method by </a:t>
+            </a:r>
+            <a:r>
+              <a:rPr lang="en-US" sz="2400" dirty="0" err="1">
+                <a:solidFill>
+                  <a:schemeClr val="accent5">
+                    <a:lumMod val="60000"/>
+                    <a:lumOff val="40000"/>
+                  </a:schemeClr>
+                </a:solidFill>
+                <a:latin typeface="Selawik Semibold" panose="020B0702040204020203" pitchFamily="34" charset="0"/>
+              </a:rPr>
+              <a:t>Fivethirtyeight</a:t>
+            </a:r>
+            <a:endParaRPr lang="en-US" sz="2400" dirty="0">
+              <a:solidFill>
+                <a:schemeClr val="accent5">
+                  <a:lumMod val="60000"/>
+                  <a:lumOff val="40000"/>
+                </a:schemeClr>
+              </a:solidFill>
+              <a:latin typeface="Selawik Semibold" panose="020B0702040204020203" pitchFamily="34" charset="0"/>
+            </a:endParaRPr>
+          </a:p>
+          <a:p>
+            <a:pPr lvl="1">
+              <a:buClr>
+                <a:schemeClr val="bg2">
+                  <a:lumMod val="90000"/>
+                </a:schemeClr>
+              </a:buClr>
+              <a:buSzPct val="100000"/>
+            </a:pPr>
+            <a:r>
+              <a:rPr lang="en-US" sz="2000" i="1" dirty="0" err="1">
+                <a:solidFill>
+                  <a:schemeClr val="accent5">
+                    <a:lumMod val="60000"/>
+                    <a:lumOff val="40000"/>
+                  </a:schemeClr>
+                </a:solidFill>
+                <a:latin typeface="Selawik Semibold" panose="020B0702040204020203" pitchFamily="34" charset="0"/>
+              </a:rPr>
+              <a:t>EloDiff</a:t>
+            </a:r>
+            <a:r>
+              <a:rPr lang="en-US" sz="2000" dirty="0">
+                <a:solidFill>
+                  <a:schemeClr val="accent5">
+                    <a:lumMod val="60000"/>
+                    <a:lumOff val="40000"/>
+                  </a:schemeClr>
+                </a:solidFill>
+                <a:latin typeface="Selawik Semibold" panose="020B0702040204020203" pitchFamily="34" charset="0"/>
+              </a:rPr>
+              <a:t>  is Based On a Few Things</a:t>
+            </a:r>
+          </a:p>
+          <a:p>
+            <a:pPr lvl="2">
+              <a:buClr>
+                <a:schemeClr val="bg2">
+                  <a:lumMod val="90000"/>
+                </a:schemeClr>
+              </a:buClr>
+              <a:buSzPct val="100000"/>
+            </a:pPr>
+            <a:r>
+              <a:rPr lang="en-US" sz="1800" dirty="0">
+                <a:solidFill>
+                  <a:schemeClr val="accent5">
+                    <a:lumMod val="60000"/>
+                    <a:lumOff val="40000"/>
+                  </a:schemeClr>
+                </a:solidFill>
+                <a:latin typeface="Selawik Semibold" panose="020B0702040204020203" pitchFamily="34" charset="0"/>
+              </a:rPr>
+              <a:t>Difference Between Team Ratings</a:t>
+            </a:r>
+          </a:p>
+          <a:p>
+            <a:pPr lvl="2">
+              <a:buClr>
+                <a:schemeClr val="bg2">
+                  <a:lumMod val="90000"/>
+                </a:schemeClr>
+              </a:buClr>
+              <a:buSzPct val="100000"/>
+            </a:pPr>
+            <a:r>
+              <a:rPr lang="en-US" sz="1800" dirty="0">
+                <a:solidFill>
+                  <a:schemeClr val="accent5">
+                    <a:lumMod val="60000"/>
+                    <a:lumOff val="40000"/>
+                  </a:schemeClr>
+                </a:solidFill>
+                <a:latin typeface="Selawik Semibold" panose="020B0702040204020203" pitchFamily="34" charset="0"/>
+              </a:rPr>
+              <a:t>Home Edge Adjustment Scaled by Distance Traveled</a:t>
+            </a:r>
+          </a:p>
+          <a:p>
+            <a:pPr lvl="2">
+              <a:buClr>
+                <a:schemeClr val="bg2">
+                  <a:lumMod val="90000"/>
+                </a:schemeClr>
+              </a:buClr>
+              <a:buSzPct val="100000"/>
+            </a:pPr>
+            <a:r>
+              <a:rPr lang="en-US" sz="1800" dirty="0">
+                <a:solidFill>
+                  <a:schemeClr val="accent5">
+                    <a:lumMod val="60000"/>
+                    <a:lumOff val="40000"/>
+                  </a:schemeClr>
+                </a:solidFill>
+                <a:latin typeface="Selawik Semibold" panose="020B0702040204020203" pitchFamily="34" charset="0"/>
+              </a:rPr>
+              <a:t>Rest Adjustment for Teams Coming Off a Bye Week</a:t>
+            </a:r>
+          </a:p>
+          <a:p>
+            <a:pPr lvl="2">
+              <a:buClr>
+                <a:schemeClr val="bg2">
+                  <a:lumMod val="90000"/>
+                </a:schemeClr>
+              </a:buClr>
+              <a:buSzPct val="100000"/>
+            </a:pPr>
+            <a:r>
+              <a:rPr lang="en-US" sz="1800" dirty="0">
+                <a:solidFill>
+                  <a:schemeClr val="accent5">
+                    <a:lumMod val="60000"/>
+                    <a:lumOff val="40000"/>
+                  </a:schemeClr>
+                </a:solidFill>
+                <a:latin typeface="Selawik Semibold" panose="020B0702040204020203" pitchFamily="34" charset="0"/>
+              </a:rPr>
+              <a:t>Playoff Adjustment (Favorites Tend to Dominate Underdogs)</a:t>
+            </a:r>
+          </a:p>
+          <a:p>
+            <a:pPr lvl="2">
+              <a:buClr>
+                <a:schemeClr val="bg2">
+                  <a:lumMod val="90000"/>
+                </a:schemeClr>
+              </a:buClr>
+              <a:buSzPct val="100000"/>
+            </a:pPr>
+            <a:r>
+              <a:rPr lang="en-US" sz="1800" dirty="0">
+                <a:solidFill>
+                  <a:schemeClr val="accent5">
+                    <a:lumMod val="60000"/>
+                    <a:lumOff val="40000"/>
+                  </a:schemeClr>
+                </a:solidFill>
+                <a:latin typeface="Selawik Semibold" panose="020B0702040204020203" pitchFamily="34" charset="0"/>
+              </a:rPr>
+              <a:t>Quarterback Adjustment (Due to Importance of this Position)</a:t>
+            </a:r>
+          </a:p>
+          <a:p>
+            <a:pPr lvl="1">
+              <a:buClr>
+                <a:schemeClr val="bg2">
+                  <a:lumMod val="90000"/>
+                </a:schemeClr>
+              </a:buClr>
+              <a:buSzPct val="100000"/>
+            </a:pPr>
+            <a:r>
+              <a:rPr lang="en-US" sz="2000" dirty="0">
+                <a:solidFill>
+                  <a:schemeClr val="accent5">
+                    <a:lumMod val="60000"/>
+                    <a:lumOff val="40000"/>
+                  </a:schemeClr>
+                </a:solidFill>
+                <a:latin typeface="Selawik Semibold" panose="020B0702040204020203" pitchFamily="34" charset="0"/>
+              </a:rPr>
+              <a:t>Dividing </a:t>
+            </a:r>
+            <a:r>
+              <a:rPr lang="en-US" sz="2000" i="1" dirty="0" err="1">
+                <a:solidFill>
+                  <a:schemeClr val="accent5">
+                    <a:lumMod val="60000"/>
+                    <a:lumOff val="40000"/>
+                  </a:schemeClr>
+                </a:solidFill>
+                <a:latin typeface="Selawik Semibold" panose="020B0702040204020203" pitchFamily="34" charset="0"/>
+              </a:rPr>
+              <a:t>EloDiff</a:t>
+            </a:r>
+            <a:r>
+              <a:rPr lang="en-US" sz="2000" dirty="0">
+                <a:solidFill>
+                  <a:schemeClr val="accent5">
+                    <a:lumMod val="60000"/>
+                    <a:lumOff val="40000"/>
+                  </a:schemeClr>
+                </a:solidFill>
+                <a:latin typeface="Selawik Semibold" panose="020B0702040204020203" pitchFamily="34" charset="0"/>
+              </a:rPr>
+              <a:t> by 25 Has Been a Good Estimate of Spread</a:t>
+            </a:r>
+          </a:p>
+          <a:p>
+            <a:pPr lvl="1">
+              <a:buClr>
+                <a:schemeClr val="bg2">
+                  <a:lumMod val="90000"/>
+                </a:schemeClr>
+              </a:buClr>
+              <a:buSzPct val="100000"/>
+            </a:pPr>
+            <a:r>
+              <a:rPr lang="en-US" sz="2000" dirty="0">
+                <a:solidFill>
+                  <a:schemeClr val="accent5">
+                    <a:lumMod val="60000"/>
+                    <a:lumOff val="40000"/>
+                  </a:schemeClr>
+                </a:solidFill>
+                <a:latin typeface="Selawik Semibold" panose="020B0702040204020203" pitchFamily="34" charset="0"/>
+              </a:rPr>
+              <a:t>Winning Team Gains Points Based on a Few Things</a:t>
+            </a:r>
+          </a:p>
+          <a:p>
+            <a:pPr lvl="2">
+              <a:buClr>
+                <a:schemeClr val="bg2">
+                  <a:lumMod val="90000"/>
+                </a:schemeClr>
+              </a:buClr>
+              <a:buSzPct val="100000"/>
+            </a:pPr>
+            <a:r>
+              <a:rPr lang="en-US" sz="1800" dirty="0">
+                <a:solidFill>
+                  <a:schemeClr val="accent5">
+                    <a:lumMod val="60000"/>
+                    <a:lumOff val="40000"/>
+                  </a:schemeClr>
+                </a:solidFill>
+                <a:latin typeface="Selawik Semibold" panose="020B0702040204020203" pitchFamily="34" charset="0"/>
+              </a:rPr>
+              <a:t>K-factor = Regulates How Quickly Ratings Change</a:t>
+            </a:r>
+          </a:p>
+          <a:p>
+            <a:pPr lvl="2">
+              <a:buClr>
+                <a:schemeClr val="bg2">
+                  <a:lumMod val="90000"/>
+                </a:schemeClr>
+              </a:buClr>
+              <a:buSzPct val="100000"/>
+            </a:pPr>
+            <a:r>
+              <a:rPr lang="en-US" sz="1800" dirty="0">
+                <a:solidFill>
+                  <a:schemeClr val="accent5">
+                    <a:lumMod val="60000"/>
+                    <a:lumOff val="40000"/>
+                  </a:schemeClr>
+                </a:solidFill>
+                <a:latin typeface="Selawik Semibold" panose="020B0702040204020203" pitchFamily="34" charset="0"/>
+              </a:rPr>
+              <a:t>Forecast Delta = Difference Between The Result and </a:t>
+            </a:r>
+          </a:p>
+          <a:p>
+            <a:pPr marL="548640" lvl="2" indent="0">
+              <a:buClr>
+                <a:schemeClr val="bg2">
+                  <a:lumMod val="90000"/>
+                </a:schemeClr>
+              </a:buClr>
+              <a:buSzPct val="100000"/>
+              <a:buNone/>
+            </a:pPr>
+            <a:r>
+              <a:rPr lang="en-US" sz="1800" dirty="0">
+                <a:solidFill>
+                  <a:schemeClr val="accent5">
+                    <a:lumMod val="60000"/>
+                    <a:lumOff val="40000"/>
+                  </a:schemeClr>
+                </a:solidFill>
+                <a:latin typeface="Selawik Semibold" panose="020B0702040204020203" pitchFamily="34" charset="0"/>
+              </a:rPr>
+              <a:t>   Predicted Probability</a:t>
+            </a:r>
+          </a:p>
+          <a:p>
+            <a:pPr lvl="2">
+              <a:buClr>
+                <a:schemeClr val="bg2">
+                  <a:lumMod val="90000"/>
+                </a:schemeClr>
+              </a:buClr>
+              <a:buSzPct val="100000"/>
+            </a:pPr>
+            <a:r>
+              <a:rPr lang="en-US" sz="1800" dirty="0">
+                <a:solidFill>
+                  <a:schemeClr val="accent5">
+                    <a:lumMod val="60000"/>
+                    <a:lumOff val="40000"/>
+                  </a:schemeClr>
+                </a:solidFill>
+                <a:latin typeface="Selawik Semibold" panose="020B0702040204020203" pitchFamily="34" charset="0"/>
+              </a:rPr>
+              <a:t>Margin of Victory Multiplier</a:t>
+            </a:r>
+          </a:p>
+        </p:txBody>
+      </p:sp>
+      <p:pic>
+        <p:nvPicPr>
+          <p:cNvPr id="5" name="Content Placeholder 4" descr="A picture containing banana, sitting, yellow&#10;&#10;Description automatically generated">
+            <a:extLst>
+              <a:ext uri="{FF2B5EF4-FFF2-40B4-BE49-F238E27FC236}">
+                <a16:creationId xmlns:a16="http://schemas.microsoft.com/office/drawing/2014/main" id="{9F9AFDF2-6918-4AB4-A081-4ACBF234EB6E}"/>
+              </a:ext>
+            </a:extLst>
+          </p:cNvPr>
+          <p:cNvPicPr>
+            <a:picLocks noGrp="1" noChangeAspect="1"/>
+          </p:cNvPicPr>
+          <p:nvPr>
+            <p:ph idx="1"/>
+          </p:nvPr>
+        </p:nvPicPr>
+        <p:blipFill>
+          <a:blip r:embed="rId4">
+            <a:alphaModFix amt="69000"/>
+            <a:extLst>
+              <a:ext uri="{28A0092B-C50C-407E-A947-70E740481C1C}">
+                <a14:useLocalDpi xmlns:a14="http://schemas.microsoft.com/office/drawing/2010/main" val="0"/>
+              </a:ext>
+            </a:extLst>
+          </a:blip>
+          <a:stretch>
+            <a:fillRect/>
+          </a:stretch>
+        </p:blipFill>
+        <p:spPr>
+          <a:xfrm>
+            <a:off x="-4045184" y="-235089"/>
+            <a:ext cx="5823184" cy="7570140"/>
+          </a:xfrm>
+          <a:prstGeom prst="rect">
+            <a:avLst/>
+          </a:prstGeom>
+          <a:ln>
+            <a:noFill/>
+          </a:ln>
+          <a:effectLst>
+            <a:softEdge rad="112500"/>
+          </a:effectLst>
+        </p:spPr>
+      </p:pic>
+    </p:spTree>
+    <p:extLst>
+      <p:ext uri="{BB962C8B-B14F-4D97-AF65-F5344CB8AC3E}">
+        <p14:creationId xmlns:p14="http://schemas.microsoft.com/office/powerpoint/2010/main" val="1396296918"/>
+      </p:ext>
+    </p:extLst>
+  </p:cSld>
+  <p:clrMapOvr>
+    <a:masterClrMapping/>
+  </p:clrMapOvr>
+</p:sld>
+</file>
+
+<file path=ppt/slides/slide14.xml><?xml version="1.0" encoding="utf-8"?>
 <p:sld xmlns:a="http://schemas.openxmlformats.org/drawingml/2006/main" xmlns:r="http://schemas.openxmlformats.org/officeDocument/2006/relationships" xmlns:p="http://schemas.openxmlformats.org/presentationml/2006/main" showMasterSp="0">
   <p:cSld>
     <p:bg>

--- a/Slides/Gambling 2/Gambling_2_Lecture.pptx
+++ b/Slides/Gambling 2/Gambling_2_Lecture.pptx
@@ -21,7 +21,7 @@
     <p:sldId id="331" r:id="rId12"/>
     <p:sldId id="332" r:id="rId13"/>
     <p:sldId id="333" r:id="rId14"/>
-    <p:sldId id="281" r:id="rId15"/>
+    <p:sldId id="334" r:id="rId15"/>
   </p:sldIdLst>
   <p:sldSz cx="12192000" cy="6858000"/>
   <p:notesSz cx="6858000" cy="9144000"/>
@@ -8855,8 +8855,8 @@
           </a:effectLst>
         </p:spPr>
       </p:pic>
-      <mc:AlternateContent xmlns:mc="http://schemas.openxmlformats.org/markup-compatibility/2006">
-        <mc:Choice xmlns:a14="http://schemas.microsoft.com/office/drawing/2010/main" Requires="a14">
+      <mc:AlternateContent xmlns:mc="http://schemas.openxmlformats.org/markup-compatibility/2006" xmlns:a14="http://schemas.microsoft.com/office/drawing/2010/main">
+        <mc:Choice Requires="a14">
           <p:sp>
             <p:nvSpPr>
               <p:cNvPr id="10" name="TextBox 9">
@@ -9056,7 +9056,7 @@
             </p:txBody>
           </p:sp>
         </mc:Choice>
-        <mc:Fallback>
+        <mc:Fallback xmlns="">
           <p:sp>
             <p:nvSpPr>
               <p:cNvPr id="10" name="TextBox 9">
@@ -10299,7 +10299,7 @@
         </p:nvSpPr>
         <p:spPr>
           <a:xfrm>
-            <a:off x="6450539" y="3515800"/>
+            <a:off x="6612666" y="3836951"/>
             <a:ext cx="5291112" cy="4050792"/>
           </a:xfrm>
           <a:prstGeom prst="rect">
@@ -10564,37 +10564,7 @@
                 </a:solidFill>
                 <a:latin typeface="Selawik Semibold" panose="020B0702040204020203" pitchFamily="34" charset="0"/>
               </a:rPr>
-              <a:t>When I bet on horses,</a:t>
-            </a:r>
-          </a:p>
-          <a:p>
-            <a:pPr algn="r"/>
-            <a:r>
-              <a:rPr lang="en-US" sz="3200" dirty="0">
-                <a:solidFill>
-                  <a:schemeClr val="accent5">
-                    <a:lumMod val="60000"/>
-                    <a:lumOff val="40000"/>
-                  </a:schemeClr>
-                </a:solidFill>
-                <a:latin typeface="Selawik Semibold" panose="020B0702040204020203" pitchFamily="34" charset="0"/>
-              </a:rPr>
-              <a:t>I never lose. Why? </a:t>
-            </a:r>
-          </a:p>
-          <a:p>
-            <a:pPr algn="r"/>
-            <a:r>
-              <a:rPr lang="en-US" sz="3200" dirty="0">
-                <a:solidFill>
-                  <a:schemeClr val="accent5">
-                    <a:lumMod val="60000"/>
-                    <a:lumOff val="40000"/>
-                  </a:schemeClr>
-                </a:solidFill>
-                <a:latin typeface="Selawik Semibold" panose="020B0702040204020203" pitchFamily="34" charset="0"/>
-              </a:rPr>
-              <a:t>I bet on all the horses. </a:t>
+              <a:t>The only bet that I would make is on Jeffrey Epstein not killing himself.</a:t>
             </a:r>
           </a:p>
           <a:p>
@@ -10621,7 +10591,7 @@
                 </a:solidFill>
                 <a:latin typeface="Selawik Semibold" panose="020B0702040204020203" pitchFamily="34" charset="0"/>
               </a:rPr>
-              <a:t>-Tom Haverford</a:t>
+              <a:t>-Mahatma Mario</a:t>
             </a:r>
           </a:p>
         </p:txBody>
@@ -10629,7 +10599,7 @@
     </p:spTree>
     <p:extLst>
       <p:ext uri="{BB962C8B-B14F-4D97-AF65-F5344CB8AC3E}">
-        <p14:creationId xmlns:p14="http://schemas.microsoft.com/office/powerpoint/2010/main" val="1593475065"/>
+        <p14:creationId xmlns:p14="http://schemas.microsoft.com/office/powerpoint/2010/main" val="775787098"/>
       </p:ext>
     </p:extLst>
   </p:cSld>
